--- a/diagrams/MonitorMe_Design (4).pptx
+++ b/diagrams/MonitorMe_Design (4).pptx
@@ -279,7 +279,7 @@
           <a:p>
             <a:fld id="{DC6A368C-0D68-4D55-B659-220BEA3BD029}" type="datetimeFigureOut">
               <a:rPr lang="de-DE" smtClean="0"/>
-              <a:t>21.02.2024</a:t>
+              <a:t>22.02.24</a:t>
             </a:fld>
             <a:endParaRPr lang="de-DE"/>
           </a:p>
@@ -477,7 +477,7 @@
           <a:p>
             <a:fld id="{DC6A368C-0D68-4D55-B659-220BEA3BD029}" type="datetimeFigureOut">
               <a:rPr lang="de-DE" smtClean="0"/>
-              <a:t>21.02.2024</a:t>
+              <a:t>22.02.24</a:t>
             </a:fld>
             <a:endParaRPr lang="de-DE"/>
           </a:p>
@@ -685,7 +685,7 @@
           <a:p>
             <a:fld id="{DC6A368C-0D68-4D55-B659-220BEA3BD029}" type="datetimeFigureOut">
               <a:rPr lang="de-DE" smtClean="0"/>
-              <a:t>21.02.2024</a:t>
+              <a:t>22.02.24</a:t>
             </a:fld>
             <a:endParaRPr lang="de-DE"/>
           </a:p>
@@ -883,7 +883,7 @@
           <a:p>
             <a:fld id="{DC6A368C-0D68-4D55-B659-220BEA3BD029}" type="datetimeFigureOut">
               <a:rPr lang="de-DE" smtClean="0"/>
-              <a:t>21.02.2024</a:t>
+              <a:t>22.02.24</a:t>
             </a:fld>
             <a:endParaRPr lang="de-DE"/>
           </a:p>
@@ -1158,7 +1158,7 @@
           <a:p>
             <a:fld id="{DC6A368C-0D68-4D55-B659-220BEA3BD029}" type="datetimeFigureOut">
               <a:rPr lang="de-DE" smtClean="0"/>
-              <a:t>21.02.2024</a:t>
+              <a:t>22.02.24</a:t>
             </a:fld>
             <a:endParaRPr lang="de-DE"/>
           </a:p>
@@ -1423,7 +1423,7 @@
           <a:p>
             <a:fld id="{DC6A368C-0D68-4D55-B659-220BEA3BD029}" type="datetimeFigureOut">
               <a:rPr lang="de-DE" smtClean="0"/>
-              <a:t>21.02.2024</a:t>
+              <a:t>22.02.24</a:t>
             </a:fld>
             <a:endParaRPr lang="de-DE"/>
           </a:p>
@@ -1835,7 +1835,7 @@
           <a:p>
             <a:fld id="{DC6A368C-0D68-4D55-B659-220BEA3BD029}" type="datetimeFigureOut">
               <a:rPr lang="de-DE" smtClean="0"/>
-              <a:t>21.02.2024</a:t>
+              <a:t>22.02.24</a:t>
             </a:fld>
             <a:endParaRPr lang="de-DE"/>
           </a:p>
@@ -1976,7 +1976,7 @@
           <a:p>
             <a:fld id="{DC6A368C-0D68-4D55-B659-220BEA3BD029}" type="datetimeFigureOut">
               <a:rPr lang="de-DE" smtClean="0"/>
-              <a:t>21.02.2024</a:t>
+              <a:t>22.02.24</a:t>
             </a:fld>
             <a:endParaRPr lang="de-DE"/>
           </a:p>
@@ -2089,7 +2089,7 @@
           <a:p>
             <a:fld id="{DC6A368C-0D68-4D55-B659-220BEA3BD029}" type="datetimeFigureOut">
               <a:rPr lang="de-DE" smtClean="0"/>
-              <a:t>21.02.2024</a:t>
+              <a:t>22.02.24</a:t>
             </a:fld>
             <a:endParaRPr lang="de-DE"/>
           </a:p>
@@ -2400,7 +2400,7 @@
           <a:p>
             <a:fld id="{DC6A368C-0D68-4D55-B659-220BEA3BD029}" type="datetimeFigureOut">
               <a:rPr lang="de-DE" smtClean="0"/>
-              <a:t>21.02.2024</a:t>
+              <a:t>22.02.24</a:t>
             </a:fld>
             <a:endParaRPr lang="de-DE"/>
           </a:p>
@@ -2688,7 +2688,7 @@
           <a:p>
             <a:fld id="{DC6A368C-0D68-4D55-B659-220BEA3BD029}" type="datetimeFigureOut">
               <a:rPr lang="de-DE" smtClean="0"/>
-              <a:t>21.02.2024</a:t>
+              <a:t>22.02.24</a:t>
             </a:fld>
             <a:endParaRPr lang="de-DE"/>
           </a:p>
@@ -2929,7 +2929,7 @@
           <a:p>
             <a:fld id="{DC6A368C-0D68-4D55-B659-220BEA3BD029}" type="datetimeFigureOut">
               <a:rPr lang="de-DE" smtClean="0"/>
-              <a:t>21.02.2024</a:t>
+              <a:t>22.02.24</a:t>
             </a:fld>
             <a:endParaRPr lang="de-DE"/>
           </a:p>
@@ -3477,42 +3477,6 @@
           <a:chExt cx="0" cy="0"/>
         </a:xfrm>
       </p:grpSpPr>
-      <p:pic>
-        <p:nvPicPr>
-          <p:cNvPr id="3" name="Picture 2" descr="A diagram of a computer program&#10;&#10;Description automatically generated">
-            <a:extLst>
-              <a:ext uri="{FF2B5EF4-FFF2-40B4-BE49-F238E27FC236}">
-                <a16:creationId xmlns:a16="http://schemas.microsoft.com/office/drawing/2014/main" id="{83D769F3-4387-89D7-4AD0-285402E4617F}"/>
-              </a:ext>
-            </a:extLst>
-          </p:cNvPr>
-          <p:cNvPicPr>
-            <a:picLocks noChangeAspect="1"/>
-          </p:cNvPicPr>
-          <p:nvPr/>
-        </p:nvPicPr>
-        <p:blipFill>
-          <a:blip r:embed="rId2">
-            <a:extLst>
-              <a:ext uri="{28A0092B-C50C-407E-A947-70E740481C1C}">
-                <a14:useLocalDpi xmlns:a14="http://schemas.microsoft.com/office/drawing/2010/main" val="0"/>
-              </a:ext>
-            </a:extLst>
-          </a:blip>
-          <a:stretch>
-            <a:fillRect/>
-          </a:stretch>
-        </p:blipFill>
-        <p:spPr>
-          <a:xfrm>
-            <a:off x="1532071" y="1353312"/>
-            <a:ext cx="7772400" cy="5103417"/>
-          </a:xfrm>
-          <a:prstGeom prst="rect">
-            <a:avLst/>
-          </a:prstGeom>
-        </p:spPr>
-      </p:pic>
       <p:sp>
         <p:nvSpPr>
           <p:cNvPr id="4" name="Textfeld 4">
@@ -3528,7 +3492,7 @@
         <p:spPr>
           <a:xfrm>
             <a:off x="351536" y="298461"/>
-            <a:ext cx="4060599" cy="523220"/>
+            <a:ext cx="6514732" cy="523220"/>
           </a:xfrm>
           <a:prstGeom prst="rect">
             <a:avLst/>
@@ -3543,7 +3507,7 @@
           <a:p>
             <a:r>
               <a:rPr lang="de-DE" sz="2800" b="1" dirty="0"/>
-              <a:t>Use Case 01: </a:t>
+              <a:t>Use Case 01, 02: </a:t>
             </a:r>
             <a:r>
               <a:rPr lang="de-DE" sz="2800" b="1" dirty="0" err="1"/>
@@ -3551,16 +3515,60 @@
             </a:r>
             <a:r>
               <a:rPr lang="de-DE" sz="2800" b="1" dirty="0"/>
+              <a:t> and </a:t>
+            </a:r>
+            <a:r>
+              <a:rPr lang="de-DE" sz="2800" b="1" dirty="0" err="1"/>
+              <a:t>display</a:t>
+            </a:r>
+            <a:r>
+              <a:rPr lang="de-DE" sz="2800" b="1" dirty="0"/>
               <a:t> </a:t>
             </a:r>
             <a:r>
               <a:rPr lang="de-DE" sz="2800" b="1" dirty="0" err="1"/>
-              <a:t>signal</a:t>
+              <a:t>signals</a:t>
             </a:r>
             <a:endParaRPr lang="de-DE" sz="2800" b="1" dirty="0"/>
           </a:p>
         </p:txBody>
       </p:sp>
+      <p:pic>
+        <p:nvPicPr>
+          <p:cNvPr id="5" name="Picture 4" descr="A diagram of a diagram of a signal&#10;&#10;Description automatically generated">
+            <a:extLst>
+              <a:ext uri="{FF2B5EF4-FFF2-40B4-BE49-F238E27FC236}">
+                <a16:creationId xmlns:a16="http://schemas.microsoft.com/office/drawing/2014/main" id="{583072FC-9463-1FE5-BFB4-D5977548036D}"/>
+              </a:ext>
+            </a:extLst>
+          </p:cNvPr>
+          <p:cNvPicPr>
+            <a:picLocks noChangeAspect="1"/>
+          </p:cNvPicPr>
+          <p:nvPr/>
+        </p:nvPicPr>
+        <p:blipFill>
+          <a:blip r:embed="rId2">
+            <a:extLst>
+              <a:ext uri="{28A0092B-C50C-407E-A947-70E740481C1C}">
+                <a14:useLocalDpi xmlns:a14="http://schemas.microsoft.com/office/drawing/2010/main" val="0"/>
+              </a:ext>
+            </a:extLst>
+          </a:blip>
+          <a:stretch>
+            <a:fillRect/>
+          </a:stretch>
+        </p:blipFill>
+        <p:spPr>
+          <a:xfrm>
+            <a:off x="770561" y="1278881"/>
+            <a:ext cx="9948318" cy="4581592"/>
+          </a:xfrm>
+          <a:prstGeom prst="rect">
+            <a:avLst/>
+          </a:prstGeom>
+        </p:spPr>
+      </p:pic>
     </p:spTree>
     <p:extLst>
       <p:ext uri="{BB962C8B-B14F-4D97-AF65-F5344CB8AC3E}">
@@ -3591,42 +3599,6 @@
           <a:chExt cx="0" cy="0"/>
         </a:xfrm>
       </p:grpSpPr>
-      <p:pic>
-        <p:nvPicPr>
-          <p:cNvPr id="5" name="Picture 4" descr="A diagram of a data processing process&#10;&#10;Description automatically generated">
-            <a:extLst>
-              <a:ext uri="{FF2B5EF4-FFF2-40B4-BE49-F238E27FC236}">
-                <a16:creationId xmlns:a16="http://schemas.microsoft.com/office/drawing/2014/main" id="{A988E9FE-9C22-3B27-9FB1-18C37ED77297}"/>
-              </a:ext>
-            </a:extLst>
-          </p:cNvPr>
-          <p:cNvPicPr>
-            <a:picLocks noChangeAspect="1"/>
-          </p:cNvPicPr>
-          <p:nvPr/>
-        </p:nvPicPr>
-        <p:blipFill>
-          <a:blip r:embed="rId2">
-            <a:extLst>
-              <a:ext uri="{28A0092B-C50C-407E-A947-70E740481C1C}">
-                <a14:useLocalDpi xmlns:a14="http://schemas.microsoft.com/office/drawing/2010/main" val="0"/>
-              </a:ext>
-            </a:extLst>
-          </a:blip>
-          <a:stretch>
-            <a:fillRect/>
-          </a:stretch>
-        </p:blipFill>
-        <p:spPr>
-          <a:xfrm>
-            <a:off x="3278886" y="1072134"/>
-            <a:ext cx="4447794" cy="3314598"/>
-          </a:xfrm>
-          <a:prstGeom prst="rect">
-            <a:avLst/>
-          </a:prstGeom>
-        </p:spPr>
-      </p:pic>
       <p:sp>
         <p:nvSpPr>
           <p:cNvPr id="6" name="Textfeld 4">
@@ -3657,7 +3629,7 @@
           <a:p>
             <a:r>
               <a:rPr lang="de-DE" sz="2800" b="1" dirty="0"/>
-              <a:t>Use Case 02: </a:t>
+              <a:t>Use Case 05: </a:t>
             </a:r>
             <a:r>
               <a:rPr lang="de-DE" sz="2800" b="1" dirty="0" err="1"/>
@@ -3675,6 +3647,42 @@
           </a:p>
         </p:txBody>
       </p:sp>
+      <p:pic>
+        <p:nvPicPr>
+          <p:cNvPr id="3" name="Picture 2" descr="A diagram of a data processing process&#10;&#10;Description automatically generated">
+            <a:extLst>
+              <a:ext uri="{FF2B5EF4-FFF2-40B4-BE49-F238E27FC236}">
+                <a16:creationId xmlns:a16="http://schemas.microsoft.com/office/drawing/2014/main" id="{7F2F3402-7BC8-0FB6-9E92-D4F2A29753E4}"/>
+              </a:ext>
+            </a:extLst>
+          </p:cNvPr>
+          <p:cNvPicPr>
+            <a:picLocks noChangeAspect="1"/>
+          </p:cNvPicPr>
+          <p:nvPr/>
+        </p:nvPicPr>
+        <p:blipFill>
+          <a:blip r:embed="rId2">
+            <a:extLst>
+              <a:ext uri="{28A0092B-C50C-407E-A947-70E740481C1C}">
+                <a14:useLocalDpi xmlns:a14="http://schemas.microsoft.com/office/drawing/2010/main" val="0"/>
+              </a:ext>
+            </a:extLst>
+          </a:blip>
+          <a:stretch>
+            <a:fillRect/>
+          </a:stretch>
+        </p:blipFill>
+        <p:spPr>
+          <a:xfrm>
+            <a:off x="1267114" y="1130877"/>
+            <a:ext cx="7772400" cy="4065741"/>
+          </a:xfrm>
+          <a:prstGeom prst="rect">
+            <a:avLst/>
+          </a:prstGeom>
+        </p:spPr>
+      </p:pic>
     </p:spTree>
     <p:extLst>
       <p:ext uri="{BB962C8B-B14F-4D97-AF65-F5344CB8AC3E}">
@@ -3705,42 +3713,6 @@
           <a:chExt cx="0" cy="0"/>
         </a:xfrm>
       </p:grpSpPr>
-      <p:pic>
-        <p:nvPicPr>
-          <p:cNvPr id="3" name="Picture 2" descr="A diagram of a medical procedure&#10;&#10;Description automatically generated with medium confidence">
-            <a:extLst>
-              <a:ext uri="{FF2B5EF4-FFF2-40B4-BE49-F238E27FC236}">
-                <a16:creationId xmlns:a16="http://schemas.microsoft.com/office/drawing/2014/main" id="{76BF9777-5D10-605A-F067-9F482E15D4DA}"/>
-              </a:ext>
-            </a:extLst>
-          </p:cNvPr>
-          <p:cNvPicPr>
-            <a:picLocks noChangeAspect="1"/>
-          </p:cNvPicPr>
-          <p:nvPr/>
-        </p:nvPicPr>
-        <p:blipFill>
-          <a:blip r:embed="rId2">
-            <a:extLst>
-              <a:ext uri="{28A0092B-C50C-407E-A947-70E740481C1C}">
-                <a14:useLocalDpi xmlns:a14="http://schemas.microsoft.com/office/drawing/2010/main" val="0"/>
-              </a:ext>
-            </a:extLst>
-          </a:blip>
-          <a:stretch>
-            <a:fillRect/>
-          </a:stretch>
-        </p:blipFill>
-        <p:spPr>
-          <a:xfrm>
-            <a:off x="2276076" y="117485"/>
-            <a:ext cx="7772400" cy="6495014"/>
-          </a:xfrm>
-          <a:prstGeom prst="rect">
-            <a:avLst/>
-          </a:prstGeom>
-        </p:spPr>
-      </p:pic>
       <p:sp>
         <p:nvSpPr>
           <p:cNvPr id="4" name="Textfeld 4">
@@ -3756,7 +3728,7 @@
         <p:spPr>
           <a:xfrm>
             <a:off x="351536" y="298461"/>
-            <a:ext cx="2845651" cy="523220"/>
+            <a:ext cx="6323462" cy="523220"/>
           </a:xfrm>
           <a:prstGeom prst="rect">
             <a:avLst/>
@@ -3771,11 +3743,63 @@
           <a:p>
             <a:r>
               <a:rPr lang="de-DE" sz="2800" b="1" dirty="0"/>
-              <a:t>Use Case 03: alert</a:t>
+              <a:t>Use Case 03, 04: </a:t>
+            </a:r>
+            <a:r>
+              <a:rPr lang="de-DE" sz="2800" b="1" dirty="0" err="1"/>
+              <a:t>analyse</a:t>
+            </a:r>
+            <a:r>
+              <a:rPr lang="de-DE" sz="2800" b="1" dirty="0"/>
+              <a:t> </a:t>
+            </a:r>
+            <a:r>
+              <a:rPr lang="de-DE" sz="2800" b="1" dirty="0" err="1"/>
+              <a:t>signals</a:t>
+            </a:r>
+            <a:r>
+              <a:rPr lang="de-DE" sz="2800" b="1" dirty="0"/>
+              <a:t> and alert</a:t>
             </a:r>
           </a:p>
         </p:txBody>
       </p:sp>
+      <p:pic>
+        <p:nvPicPr>
+          <p:cNvPr id="5" name="Picture 4" descr="A diagram of a computer program&#10;&#10;Description automatically generated">
+            <a:extLst>
+              <a:ext uri="{FF2B5EF4-FFF2-40B4-BE49-F238E27FC236}">
+                <a16:creationId xmlns:a16="http://schemas.microsoft.com/office/drawing/2014/main" id="{26D04FC1-6047-18A8-A4D3-1C831F9C0D9F}"/>
+              </a:ext>
+            </a:extLst>
+          </p:cNvPr>
+          <p:cNvPicPr>
+            <a:picLocks noChangeAspect="1"/>
+          </p:cNvPicPr>
+          <p:nvPr/>
+        </p:nvPicPr>
+        <p:blipFill>
+          <a:blip r:embed="rId2">
+            <a:extLst>
+              <a:ext uri="{28A0092B-C50C-407E-A947-70E740481C1C}">
+                <a14:useLocalDpi xmlns:a14="http://schemas.microsoft.com/office/drawing/2010/main" val="0"/>
+              </a:ext>
+            </a:extLst>
+          </a:blip>
+          <a:stretch>
+            <a:fillRect/>
+          </a:stretch>
+        </p:blipFill>
+        <p:spPr>
+          <a:xfrm>
+            <a:off x="764987" y="706580"/>
+            <a:ext cx="8766940" cy="5566711"/>
+          </a:xfrm>
+          <a:prstGeom prst="rect">
+            <a:avLst/>
+          </a:prstGeom>
+        </p:spPr>
+      </p:pic>
     </p:spTree>
     <p:extLst>
       <p:ext uri="{BB962C8B-B14F-4D97-AF65-F5344CB8AC3E}">
@@ -13714,7 +13738,7 @@
           <a:p>
             <a:r>
               <a:rPr lang="de-DE" b="1" dirty="0" err="1"/>
-              <a:t>Escalability</a:t>
+              <a:t>Scalability</a:t>
             </a:r>
             <a:r>
               <a:rPr lang="de-DE" b="1" dirty="0"/>
@@ -13802,7 +13826,7 @@
             </a:r>
             <a:r>
               <a:rPr lang="de-DE" dirty="0" err="1"/>
-              <a:t>escalable</a:t>
+              <a:t>scalable</a:t>
             </a:r>
             <a:r>
               <a:rPr lang="de-DE" dirty="0"/>
@@ -14197,6 +14221,34 @@
               <a:rPr lang="de-DE" u="sng" dirty="0"/>
               <a:t>API Gateway.</a:t>
             </a:r>
+            <a:r>
+              <a:rPr lang="de-DE" dirty="0"/>
+              <a:t> All </a:t>
+            </a:r>
+            <a:r>
+              <a:rPr lang="de-DE" dirty="0" err="1"/>
+              <a:t>communications</a:t>
+            </a:r>
+            <a:r>
+              <a:rPr lang="de-DE" dirty="0"/>
+              <a:t> </a:t>
+            </a:r>
+            <a:r>
+              <a:rPr lang="de-DE" dirty="0" err="1"/>
+              <a:t>are</a:t>
+            </a:r>
+            <a:r>
+              <a:rPr lang="de-DE" dirty="0"/>
+              <a:t> </a:t>
+            </a:r>
+            <a:r>
+              <a:rPr lang="de-DE" dirty="0" err="1"/>
+              <a:t>encoded</a:t>
+            </a:r>
+            <a:r>
+              <a:rPr lang="de-DE" dirty="0"/>
+              <a:t>.</a:t>
+            </a:r>
           </a:p>
           <a:p>
             <a:endParaRPr lang="de-DE" dirty="0"/>
@@ -14416,7 +14468,7 @@
             </a:r>
             <a:r>
               <a:rPr lang="de-DE" dirty="0"/>
-              <a:t>  ( 3 )</a:t>
+              <a:t>  ( 3 ) </a:t>
             </a:r>
             <a:r>
               <a:rPr lang="de-DE" dirty="0" err="1"/>
